--- a/icons/FHAST_reproject.pptx
+++ b/icons/FHAST_reproject.pptx
@@ -243,7 +243,7 @@
           <a:p>
             <a:fld id="{9F0F061E-EF7A-43F5-ABC0-65E887E39644}" type="datetimeFigureOut">
               <a:rPr lang="en-UG" smtClean="0"/>
-              <a:t>02/04/2025</a:t>
+              <a:t>12/05/2025</a:t>
             </a:fld>
             <a:endParaRPr lang="en-UG"/>
           </a:p>
@@ -413,7 +413,7 @@
           <a:p>
             <a:fld id="{9F0F061E-EF7A-43F5-ABC0-65E887E39644}" type="datetimeFigureOut">
               <a:rPr lang="en-UG" smtClean="0"/>
-              <a:t>02/04/2025</a:t>
+              <a:t>12/05/2025</a:t>
             </a:fld>
             <a:endParaRPr lang="en-UG"/>
           </a:p>
@@ -593,7 +593,7 @@
           <a:p>
             <a:fld id="{9F0F061E-EF7A-43F5-ABC0-65E887E39644}" type="datetimeFigureOut">
               <a:rPr lang="en-UG" smtClean="0"/>
-              <a:t>02/04/2025</a:t>
+              <a:t>12/05/2025</a:t>
             </a:fld>
             <a:endParaRPr lang="en-UG"/>
           </a:p>
@@ -763,7 +763,7 @@
           <a:p>
             <a:fld id="{9F0F061E-EF7A-43F5-ABC0-65E887E39644}" type="datetimeFigureOut">
               <a:rPr lang="en-UG" smtClean="0"/>
-              <a:t>02/04/2025</a:t>
+              <a:t>12/05/2025</a:t>
             </a:fld>
             <a:endParaRPr lang="en-UG"/>
           </a:p>
@@ -1009,7 +1009,7 @@
           <a:p>
             <a:fld id="{9F0F061E-EF7A-43F5-ABC0-65E887E39644}" type="datetimeFigureOut">
               <a:rPr lang="en-UG" smtClean="0"/>
-              <a:t>02/04/2025</a:t>
+              <a:t>12/05/2025</a:t>
             </a:fld>
             <a:endParaRPr lang="en-UG"/>
           </a:p>
@@ -1241,7 +1241,7 @@
           <a:p>
             <a:fld id="{9F0F061E-EF7A-43F5-ABC0-65E887E39644}" type="datetimeFigureOut">
               <a:rPr lang="en-UG" smtClean="0"/>
-              <a:t>02/04/2025</a:t>
+              <a:t>12/05/2025</a:t>
             </a:fld>
             <a:endParaRPr lang="en-UG"/>
           </a:p>
@@ -1608,7 +1608,7 @@
           <a:p>
             <a:fld id="{9F0F061E-EF7A-43F5-ABC0-65E887E39644}" type="datetimeFigureOut">
               <a:rPr lang="en-UG" smtClean="0"/>
-              <a:t>02/04/2025</a:t>
+              <a:t>12/05/2025</a:t>
             </a:fld>
             <a:endParaRPr lang="en-UG"/>
           </a:p>
@@ -1726,7 +1726,7 @@
           <a:p>
             <a:fld id="{9F0F061E-EF7A-43F5-ABC0-65E887E39644}" type="datetimeFigureOut">
               <a:rPr lang="en-UG" smtClean="0"/>
-              <a:t>02/04/2025</a:t>
+              <a:t>12/05/2025</a:t>
             </a:fld>
             <a:endParaRPr lang="en-UG"/>
           </a:p>
@@ -1821,7 +1821,7 @@
           <a:p>
             <a:fld id="{9F0F061E-EF7A-43F5-ABC0-65E887E39644}" type="datetimeFigureOut">
               <a:rPr lang="en-UG" smtClean="0"/>
-              <a:t>02/04/2025</a:t>
+              <a:t>12/05/2025</a:t>
             </a:fld>
             <a:endParaRPr lang="en-UG"/>
           </a:p>
@@ -2098,7 +2098,7 @@
           <a:p>
             <a:fld id="{9F0F061E-EF7A-43F5-ABC0-65E887E39644}" type="datetimeFigureOut">
               <a:rPr lang="en-UG" smtClean="0"/>
-              <a:t>02/04/2025</a:t>
+              <a:t>12/05/2025</a:t>
             </a:fld>
             <a:endParaRPr lang="en-UG"/>
           </a:p>
@@ -2355,7 +2355,7 @@
           <a:p>
             <a:fld id="{9F0F061E-EF7A-43F5-ABC0-65E887E39644}" type="datetimeFigureOut">
               <a:rPr lang="en-UG" smtClean="0"/>
-              <a:t>02/04/2025</a:t>
+              <a:t>12/05/2025</a:t>
             </a:fld>
             <a:endParaRPr lang="en-UG"/>
           </a:p>
@@ -2568,7 +2568,7 @@
           <a:p>
             <a:fld id="{9F0F061E-EF7A-43F5-ABC0-65E887E39644}" type="datetimeFigureOut">
               <a:rPr lang="en-UG" smtClean="0"/>
-              <a:t>02/04/2025</a:t>
+              <a:t>12/05/2025</a:t>
             </a:fld>
             <a:endParaRPr lang="en-UG"/>
           </a:p>
@@ -3004,7 +3004,7 @@
         </p:blipFill>
         <p:spPr>
           <a:xfrm>
-            <a:off x="0" y="0"/>
+            <a:off x="-73479" y="0"/>
             <a:ext cx="6858000" cy="6858000"/>
           </a:xfrm>
           <a:prstGeom prst="rect">
@@ -3012,6 +3012,58 @@
           </a:prstGeom>
         </p:spPr>
       </p:pic>
+      <p:sp>
+        <p:nvSpPr>
+          <p:cNvPr id="2" name="Oval 1">
+            <a:extLst>
+              <a:ext uri="{FF2B5EF4-FFF2-40B4-BE49-F238E27FC236}">
+                <a16:creationId xmlns:a16="http://schemas.microsoft.com/office/drawing/2014/main" id="{738E472E-C385-B57B-21FA-0F111FDAD657}"/>
+              </a:ext>
+            </a:extLst>
+          </p:cNvPr>
+          <p:cNvSpPr/>
+          <p:nvPr/>
+        </p:nvSpPr>
+        <p:spPr>
+          <a:xfrm>
+            <a:off x="555171" y="1592036"/>
+            <a:ext cx="5666015" cy="3673928"/>
+          </a:xfrm>
+          <a:prstGeom prst="ellipse">
+            <a:avLst/>
+          </a:prstGeom>
+          <a:solidFill>
+            <a:srgbClr val="00B0F0"/>
+          </a:solidFill>
+          <a:ln>
+            <a:noFill/>
+          </a:ln>
+        </p:spPr>
+        <p:style>
+          <a:lnRef idx="2">
+            <a:schemeClr val="accent1">
+              <a:shade val="15000"/>
+            </a:schemeClr>
+          </a:lnRef>
+          <a:fillRef idx="1">
+            <a:schemeClr val="accent1"/>
+          </a:fillRef>
+          <a:effectRef idx="0">
+            <a:schemeClr val="accent1"/>
+          </a:effectRef>
+          <a:fontRef idx="minor">
+            <a:schemeClr val="lt1"/>
+          </a:fontRef>
+        </p:style>
+        <p:txBody>
+          <a:bodyPr rtlCol="0" anchor="ctr"/>
+          <a:lstStyle/>
+          <a:p>
+            <a:pPr algn="ctr"/>
+            <a:endParaRPr lang="en-US"/>
+          </a:p>
+        </p:txBody>
+      </p:sp>
       <p:pic>
         <p:nvPicPr>
           <p:cNvPr id="3" name="Graphic 2" descr="Earth globe: Americas with solid fill">
